--- a/Shriya_Infy/DEMAND_PREDICTION PRESENTATION(SOLO PPT).pptx
+++ b/Shriya_Infy/DEMAND_PREDICTION PRESENTATION(SOLO PPT).pptx
@@ -3887,7 +3887,7 @@
         </p:nvGraphicFramePr>
         <p:xfrm>
           <a:off x="1769176" y="1616503"/>
-          <a:ext cx="14532528" cy="8850709"/>
+          <a:ext cx="14532529" cy="8850710"/>
         </p:xfrm>
         <a:graphic>
           <a:graphicData uri="http://schemas.openxmlformats.org/drawingml/2006/table">
@@ -8851,52 +8851,36 @@
           </p:txBody>
         </p:sp>
       </p:grpSp>
-      <p:sp>
-        <p:nvSpPr>
-          <p:cNvPr id="15" name="Freeform 15"/>
-          <p:cNvSpPr/>
+      <p:pic>
+        <p:nvPicPr>
+          <p:cNvPr id="17" name="Picture 16">
+            <a:extLst>
+              <a:ext uri="{FF2B5EF4-FFF2-40B4-BE49-F238E27FC236}">
+                <a16:creationId xmlns:a16="http://schemas.microsoft.com/office/drawing/2014/main" id="{D42ED522-A4AE-1FC1-6A2B-15734FB09572}"/>
+              </a:ext>
+            </a:extLst>
+          </p:cNvPr>
+          <p:cNvPicPr>
+            <a:picLocks noChangeAspect="1"/>
+          </p:cNvPicPr>
           <p:nvPr/>
-        </p:nvSpPr>
+        </p:nvPicPr>
+        <p:blipFill>
+          <a:blip r:embed="rId4"/>
+          <a:stretch>
+            <a:fillRect/>
+          </a:stretch>
+        </p:blipFill>
         <p:spPr>
           <a:xfrm>
-            <a:off x="3455763" y="2940069"/>
-            <a:ext cx="11301259" cy="6179820"/>
+            <a:off x="3098023" y="2311014"/>
+            <a:ext cx="12474334" cy="7780521"/>
           </a:xfrm>
-          <a:custGeom>
+          <a:prstGeom prst="rect">
             <a:avLst/>
-            <a:gdLst/>
-            <a:ahLst/>
-            <a:cxnLst/>
-            <a:rect l="l" t="t" r="r" b="b"/>
-            <a:pathLst>
-              <a:path w="11301259" h="6179820">
-                <a:moveTo>
-                  <a:pt x="0" y="0"/>
-                </a:moveTo>
-                <a:lnTo>
-                  <a:pt x="11301259" y="0"/>
-                </a:lnTo>
-                <a:lnTo>
-                  <a:pt x="11301259" y="6179820"/>
-                </a:lnTo>
-                <a:lnTo>
-                  <a:pt x="0" y="6179820"/>
-                </a:lnTo>
-                <a:lnTo>
-                  <a:pt x="0" y="0"/>
-                </a:lnTo>
-                <a:close/>
-              </a:path>
-            </a:pathLst>
-          </a:custGeom>
-          <a:blipFill>
-            <a:blip r:embed="rId4"/>
-            <a:stretch>
-              <a:fillRect b="-123"/>
-            </a:stretch>
-          </a:blipFill>
+          </a:prstGeom>
         </p:spPr>
-      </p:sp>
+      </p:pic>
     </p:spTree>
   </p:cSld>
   <p:clrMapOvr>
@@ -9449,52 +9433,36 @@
           </p:txBody>
         </p:sp>
       </p:grpSp>
-      <p:sp>
-        <p:nvSpPr>
-          <p:cNvPr id="15" name="Freeform 15"/>
-          <p:cNvSpPr/>
+      <p:pic>
+        <p:nvPicPr>
+          <p:cNvPr id="17" name="Picture 16">
+            <a:extLst>
+              <a:ext uri="{FF2B5EF4-FFF2-40B4-BE49-F238E27FC236}">
+                <a16:creationId xmlns:a16="http://schemas.microsoft.com/office/drawing/2014/main" id="{4F7DA08B-81F5-953B-2FA2-6684215705FC}"/>
+              </a:ext>
+            </a:extLst>
+          </p:cNvPr>
+          <p:cNvPicPr>
+            <a:picLocks noChangeAspect="1"/>
+          </p:cNvPicPr>
           <p:nvPr/>
-        </p:nvSpPr>
+        </p:nvPicPr>
+        <p:blipFill>
+          <a:blip r:embed="rId4"/>
+          <a:stretch>
+            <a:fillRect/>
+          </a:stretch>
+        </p:blipFill>
         <p:spPr>
           <a:xfrm>
-            <a:off x="3680067" y="3147099"/>
-            <a:ext cx="11301259" cy="5636503"/>
+            <a:off x="2310517" y="2209422"/>
+            <a:ext cx="13920083" cy="7582278"/>
           </a:xfrm>
-          <a:custGeom>
+          <a:prstGeom prst="rect">
             <a:avLst/>
-            <a:gdLst/>
-            <a:ahLst/>
-            <a:cxnLst/>
-            <a:rect l="l" t="t" r="r" b="b"/>
-            <a:pathLst>
-              <a:path w="11301259" h="5636503">
-                <a:moveTo>
-                  <a:pt x="0" y="0"/>
-                </a:moveTo>
-                <a:lnTo>
-                  <a:pt x="11301259" y="0"/>
-                </a:lnTo>
-                <a:lnTo>
-                  <a:pt x="11301259" y="5636503"/>
-                </a:lnTo>
-                <a:lnTo>
-                  <a:pt x="0" y="5636503"/>
-                </a:lnTo>
-                <a:lnTo>
-                  <a:pt x="0" y="0"/>
-                </a:lnTo>
-                <a:close/>
-              </a:path>
-            </a:pathLst>
-          </a:custGeom>
-          <a:blipFill>
-            <a:blip r:embed="rId4"/>
-            <a:stretch>
-              <a:fillRect/>
-            </a:stretch>
-          </a:blipFill>
+          </a:prstGeom>
         </p:spPr>
-      </p:sp>
+      </p:pic>
     </p:spTree>
   </p:cSld>
   <p:clrMapOvr>
